--- a/Presentations/EAGE_Hackathon_2022_Explainable_Christmas-Concise.pptx
+++ b/Presentations/EAGE_Hackathon_2022_Explainable_Christmas-Concise.pptx
@@ -7927,7 +7927,7 @@
         <p:spPr>
           <a:xfrm>
             <a:off x="3044700" y="1444255"/>
-            <a:ext cx="3054600" cy="1537200"/>
+            <a:ext cx="4083464" cy="1537200"/>
           </a:xfrm>
           <a:prstGeom prst="rect">
             <a:avLst/>
@@ -7950,7 +7950,7 @@
             </a:pPr>
             <a:r>
               <a:rPr lang="en" sz="5600" dirty="0"/>
-              <a:t>Explainable-Christmas</a:t>
+              <a:t>Explainable Salt Segmentation</a:t>
             </a:r>
             <a:endParaRPr sz="5600" dirty="0"/>
           </a:p>
@@ -7977,7 +7977,7 @@
         </p:spPr>
         <p:txBody>
           <a:bodyPr spcFirstLastPara="1" wrap="square" lIns="91425" tIns="91425" rIns="91425" bIns="91425" anchor="t" anchorCtr="0">
-            <a:normAutofit fontScale="92500" lnSpcReduction="20000"/>
+            <a:normAutofit fontScale="62500" lnSpcReduction="20000"/>
           </a:bodyPr>
           <a:lstStyle/>
           <a:p>
@@ -8008,6 +8008,21 @@
             <a:r>
               <a:rPr lang="en" dirty="0"/>
               <a:t>Marcos Jacinto</a:t>
+            </a:r>
+          </a:p>
+          <a:p>
+            <a:pPr marL="0" lvl="0" indent="0" algn="ctr" rtl="0">
+              <a:spcBef>
+                <a:spcPts val="0"/>
+              </a:spcBef>
+              <a:spcAft>
+                <a:spcPts val="0"/>
+              </a:spcAft>
+              <a:buNone/>
+            </a:pPr>
+            <a:r>
+              <a:rPr lang="en" dirty="0"/>
+              <a:t>Team: Explainable Christmas</a:t>
             </a:r>
             <a:endParaRPr dirty="0"/>
           </a:p>
@@ -9126,7 +9141,9 @@
           </a:p>
           <a:p>
             <a:r>
-              <a:rPr lang="en-GB" dirty="0"/>
+              <a:rPr lang="en-GB" dirty="0">
+                <a:latin typeface="Montserrat"/>
+              </a:rPr>
               <a:t>Parameter tuning or transfer learning would likely improve performance too. </a:t>
             </a:r>
           </a:p>
@@ -9138,7 +9155,9 @@
           </a:p>
           <a:p>
             <a:r>
-              <a:rPr lang="en-GB" dirty="0"/>
+              <a:rPr lang="en-GB" dirty="0">
+                <a:latin typeface="Montserrat"/>
+              </a:rPr>
               <a:t>No in-depth evaluation into segmentation performance. Where does our current model struggle the most? </a:t>
             </a:r>
           </a:p>
@@ -9406,7 +9425,7 @@
         </p:blipFill>
         <p:spPr>
           <a:xfrm>
-            <a:off x="237171" y="1929295"/>
+            <a:off x="237171" y="2241021"/>
             <a:ext cx="3792901" cy="2031675"/>
           </a:xfrm>
           <a:prstGeom prst="rect">
@@ -9433,7 +9452,7 @@
         </p:blipFill>
         <p:spPr>
           <a:xfrm>
-            <a:off x="4393536" y="1837811"/>
+            <a:off x="4393536" y="2241021"/>
             <a:ext cx="4388580" cy="2214641"/>
           </a:xfrm>
           <a:prstGeom prst="rect">
@@ -9459,7 +9478,7 @@
         </p:nvSpPr>
         <p:spPr>
           <a:xfrm>
-            <a:off x="237171" y="4052452"/>
+            <a:off x="237171" y="4364180"/>
             <a:ext cx="4099301" cy="430887"/>
           </a:xfrm>
           <a:prstGeom prst="rect">
@@ -9499,7 +9518,7 @@
         </p:nvSpPr>
         <p:spPr>
           <a:xfrm>
-            <a:off x="5056912" y="3960117"/>
+            <a:off x="5056912" y="4363327"/>
             <a:ext cx="1704109" cy="307777"/>
           </a:xfrm>
           <a:prstGeom prst="rect">
@@ -9534,7 +9553,7 @@
         </p:nvSpPr>
         <p:spPr>
           <a:xfrm>
-            <a:off x="7202720" y="3960118"/>
+            <a:off x="7202720" y="4363328"/>
             <a:ext cx="1704109" cy="307777"/>
           </a:xfrm>
           <a:prstGeom prst="rect">
@@ -9552,6 +9571,55 @@
               <a:rPr lang="en-GB" dirty="0"/>
               <a:t>Salt Mask</a:t>
             </a:r>
+          </a:p>
+        </p:txBody>
+      </p:sp>
+      <p:sp>
+        <p:nvSpPr>
+          <p:cNvPr id="2" name="TextBox 1">
+            <a:extLst>
+              <a:ext uri="{FF2B5EF4-FFF2-40B4-BE49-F238E27FC236}">
+                <a16:creationId xmlns:a16="http://schemas.microsoft.com/office/drawing/2014/main" id="{0F5D83CD-2E60-835C-C53B-AF64CFBE6904}"/>
+              </a:ext>
+            </a:extLst>
+          </p:cNvPr>
+          <p:cNvSpPr txBox="1"/>
+          <p:nvPr/>
+        </p:nvSpPr>
+        <p:spPr>
+          <a:xfrm>
+            <a:off x="61846" y="1253193"/>
+            <a:ext cx="8549251" cy="646331"/>
+          </a:xfrm>
+          <a:prstGeom prst="rect">
+            <a:avLst/>
+          </a:prstGeom>
+          <a:noFill/>
+        </p:spPr>
+        <p:txBody>
+          <a:bodyPr wrap="square" rtlCol="0">
+            <a:spAutoFit/>
+          </a:bodyPr>
+          <a:lstStyle/>
+          <a:p>
+            <a:pPr algn="ctr"/>
+            <a:r>
+              <a:rPr lang="en-GB" sz="1800" b="1" i="0" dirty="0">
+                <a:solidFill>
+                  <a:srgbClr val="24292F"/>
+                </a:solidFill>
+                <a:effectLst/>
+                <a:latin typeface="-apple-system"/>
+              </a:rPr>
+              <a:t>Understand how each feature in a multi-input segmentation task contributes to the predicted mask.</a:t>
+            </a:r>
+            <a:endParaRPr lang="en-GB" sz="1800" b="0" i="0" dirty="0">
+              <a:solidFill>
+                <a:srgbClr val="24292F"/>
+              </a:solidFill>
+              <a:effectLst/>
+              <a:latin typeface="-apple-system"/>
+            </a:endParaRPr>
           </a:p>
         </p:txBody>
       </p:sp>
@@ -10328,28 +10396,267 @@
           </a:p>
         </p:txBody>
       </p:sp>
-      <p:sp>
-        <p:nvSpPr>
-          <p:cNvPr id="7" name="Text Placeholder 6">
+      <p:pic>
+        <p:nvPicPr>
+          <p:cNvPr id="3" name="Picture 2" descr="Chart, line chart&#10;&#10;Description automatically generated">
             <a:extLst>
               <a:ext uri="{FF2B5EF4-FFF2-40B4-BE49-F238E27FC236}">
-                <a16:creationId xmlns:a16="http://schemas.microsoft.com/office/drawing/2014/main" id="{ACD21250-9C99-0C77-6349-C9F3951BD120}"/>
+                <a16:creationId xmlns:a16="http://schemas.microsoft.com/office/drawing/2014/main" id="{7A20E903-944F-C0F4-8FE7-B52C4D775B8F}"/>
               </a:ext>
             </a:extLst>
           </p:cNvPr>
-          <p:cNvSpPr>
-            <a:spLocks noGrp="1"/>
-          </p:cNvSpPr>
-          <p:nvPr>
-            <p:ph type="body" idx="1"/>
-          </p:nvPr>
+          <p:cNvPicPr>
+            <a:picLocks noChangeAspect="1"/>
+          </p:cNvPicPr>
+          <p:nvPr/>
+        </p:nvPicPr>
+        <p:blipFill>
+          <a:blip r:embed="rId3"/>
+          <a:stretch>
+            <a:fillRect/>
+          </a:stretch>
+        </p:blipFill>
+        <p:spPr>
+          <a:xfrm>
+            <a:off x="0" y="769485"/>
+            <a:ext cx="6159763" cy="1745525"/>
+          </a:xfrm>
+          <a:prstGeom prst="rect">
+            <a:avLst/>
+          </a:prstGeom>
+        </p:spPr>
+      </p:pic>
+      <p:pic>
+        <p:nvPicPr>
+          <p:cNvPr id="5" name="Picture 4" descr="Chart&#10;&#10;Description automatically generated">
+            <a:extLst>
+              <a:ext uri="{FF2B5EF4-FFF2-40B4-BE49-F238E27FC236}">
+                <a16:creationId xmlns:a16="http://schemas.microsoft.com/office/drawing/2014/main" id="{C69AF9BC-C5B9-4154-9CCA-880948A6CAF8}"/>
+              </a:ext>
+            </a:extLst>
+          </p:cNvPr>
+          <p:cNvPicPr>
+            <a:picLocks/>
+          </p:cNvPicPr>
+          <p:nvPr/>
+        </p:nvPicPr>
+        <p:blipFill>
+          <a:blip r:embed="rId4"/>
+          <a:srcRect/>
+          <a:stretch>
+            <a:fillRect/>
+          </a:stretch>
+        </p:blipFill>
+        <p:spPr>
+          <a:xfrm>
+            <a:off x="38103" y="2906329"/>
+            <a:ext cx="6159763" cy="1745525"/>
+          </a:xfrm>
+          <a:prstGeom prst="rect">
+            <a:avLst/>
+          </a:prstGeom>
+        </p:spPr>
+      </p:pic>
+      <p:sp>
+        <p:nvSpPr>
+          <p:cNvPr id="8" name="TextBox 7">
+            <a:extLst>
+              <a:ext uri="{FF2B5EF4-FFF2-40B4-BE49-F238E27FC236}">
+                <a16:creationId xmlns:a16="http://schemas.microsoft.com/office/drawing/2014/main" id="{0DA27A2A-4991-BA84-C6EC-3A4BC63752D9}"/>
+              </a:ext>
+            </a:extLst>
+          </p:cNvPr>
+          <p:cNvSpPr txBox="1"/>
+          <p:nvPr/>
         </p:nvSpPr>
-        <p:spPr/>
+        <p:spPr>
+          <a:xfrm>
+            <a:off x="1313425" y="2515010"/>
+            <a:ext cx="3532909" cy="400110"/>
+          </a:xfrm>
+          <a:prstGeom prst="rect">
+            <a:avLst/>
+          </a:prstGeom>
+          <a:solidFill>
+            <a:schemeClr val="bg1"/>
+          </a:solidFill>
+        </p:spPr>
         <p:txBody>
-          <a:bodyPr/>
+          <a:bodyPr wrap="square" rtlCol="0">
+            <a:spAutoFit/>
+          </a:bodyPr>
           <a:lstStyle/>
           <a:p>
-            <a:endParaRPr lang="en-GB"/>
+            <a:r>
+              <a:rPr lang="en-GB" sz="1000" dirty="0"/>
+              <a:t>Widening of gap between training and validation loss suggests overfitting</a:t>
+            </a:r>
+          </a:p>
+        </p:txBody>
+      </p:sp>
+      <p:cxnSp>
+        <p:nvCxnSpPr>
+          <p:cNvPr id="10" name="Straight Arrow Connector 9">
+            <a:extLst>
+              <a:ext uri="{FF2B5EF4-FFF2-40B4-BE49-F238E27FC236}">
+                <a16:creationId xmlns:a16="http://schemas.microsoft.com/office/drawing/2014/main" id="{6A6796E2-C753-59B0-049A-17409A1A7483}"/>
+              </a:ext>
+            </a:extLst>
+          </p:cNvPr>
+          <p:cNvCxnSpPr>
+            <a:cxnSpLocks/>
+            <a:stCxn id="3" idx="2"/>
+          </p:cNvCxnSpPr>
+          <p:nvPr/>
+        </p:nvCxnSpPr>
+        <p:spPr>
+          <a:xfrm flipV="1">
+            <a:off x="3079882" y="1960829"/>
+            <a:ext cx="1323014" cy="554181"/>
+          </a:xfrm>
+          <a:prstGeom prst="straightConnector1">
+            <a:avLst/>
+          </a:prstGeom>
+          <a:ln>
+            <a:tailEnd type="triangle"/>
+          </a:ln>
+        </p:spPr>
+        <p:style>
+          <a:lnRef idx="1">
+            <a:schemeClr val="accent1"/>
+          </a:lnRef>
+          <a:fillRef idx="0">
+            <a:schemeClr val="accent1"/>
+          </a:fillRef>
+          <a:effectRef idx="0">
+            <a:schemeClr val="accent1"/>
+          </a:effectRef>
+          <a:fontRef idx="minor">
+            <a:schemeClr val="tx1"/>
+          </a:fontRef>
+        </p:style>
+      </p:cxnSp>
+      <p:sp>
+        <p:nvSpPr>
+          <p:cNvPr id="11" name="TextBox 10">
+            <a:extLst>
+              <a:ext uri="{FF2B5EF4-FFF2-40B4-BE49-F238E27FC236}">
+                <a16:creationId xmlns:a16="http://schemas.microsoft.com/office/drawing/2014/main" id="{FC6EDED5-5640-8D55-83B4-1AAABD5FCE21}"/>
+              </a:ext>
+            </a:extLst>
+          </p:cNvPr>
+          <p:cNvSpPr txBox="1"/>
+          <p:nvPr/>
+        </p:nvSpPr>
+        <p:spPr>
+          <a:xfrm>
+            <a:off x="6414656" y="1101436"/>
+            <a:ext cx="2563090" cy="2893100"/>
+          </a:xfrm>
+          <a:prstGeom prst="rect">
+            <a:avLst/>
+          </a:prstGeom>
+          <a:noFill/>
+        </p:spPr>
+        <p:txBody>
+          <a:bodyPr wrap="square" rtlCol="0">
+            <a:spAutoFit/>
+          </a:bodyPr>
+          <a:lstStyle/>
+          <a:p>
+            <a:pPr marL="285750" indent="-285750">
+              <a:buFont typeface="Arial" panose="020B0604020202020204" pitchFamily="34" charset="0"/>
+              <a:buChar char="•"/>
+            </a:pPr>
+            <a:r>
+              <a:rPr lang="en-GB" dirty="0"/>
+              <a:t>Data split into training, validation and test datasets. </a:t>
+            </a:r>
+          </a:p>
+          <a:p>
+            <a:pPr marL="285750" indent="-285750">
+              <a:buFont typeface="Arial" panose="020B0604020202020204" pitchFamily="34" charset="0"/>
+              <a:buChar char="•"/>
+            </a:pPr>
+            <a:endParaRPr lang="en-GB" dirty="0"/>
+          </a:p>
+          <a:p>
+            <a:pPr marL="285750" indent="-285750">
+              <a:buFont typeface="Arial" panose="020B0604020202020204" pitchFamily="34" charset="0"/>
+              <a:buChar char="•"/>
+            </a:pPr>
+            <a:r>
+              <a:rPr lang="en-GB" dirty="0"/>
+              <a:t>Standardize input data</a:t>
+            </a:r>
+          </a:p>
+          <a:p>
+            <a:pPr marL="285750" indent="-285750">
+              <a:buFont typeface="Arial" panose="020B0604020202020204" pitchFamily="34" charset="0"/>
+              <a:buChar char="•"/>
+            </a:pPr>
+            <a:endParaRPr lang="en-GB" dirty="0"/>
+          </a:p>
+          <a:p>
+            <a:pPr marL="285750" indent="-285750">
+              <a:buFont typeface="Arial" panose="020B0604020202020204" pitchFamily="34" charset="0"/>
+              <a:buChar char="•"/>
+            </a:pPr>
+            <a:r>
+              <a:rPr lang="en-GB" dirty="0"/>
+              <a:t>Scale masks to 0-1</a:t>
+            </a:r>
+          </a:p>
+          <a:p>
+            <a:pPr marL="285750" indent="-285750">
+              <a:buFont typeface="Arial" panose="020B0604020202020204" pitchFamily="34" charset="0"/>
+              <a:buChar char="•"/>
+            </a:pPr>
+            <a:endParaRPr lang="en-GB" dirty="0"/>
+          </a:p>
+          <a:p>
+            <a:pPr marL="285750" indent="-285750">
+              <a:buFont typeface="Arial" panose="020B0604020202020204" pitchFamily="34" charset="0"/>
+              <a:buChar char="•"/>
+            </a:pPr>
+            <a:r>
+              <a:rPr lang="en-GB" dirty="0"/>
+              <a:t>~2500 training pairs</a:t>
+            </a:r>
+          </a:p>
+          <a:p>
+            <a:pPr marL="285750" indent="-285750">
+              <a:buFont typeface="Arial" panose="020B0604020202020204" pitchFamily="34" charset="0"/>
+              <a:buChar char="•"/>
+            </a:pPr>
+            <a:endParaRPr lang="en-GB" dirty="0"/>
+          </a:p>
+          <a:p>
+            <a:pPr marL="285750" indent="-285750">
+              <a:buFont typeface="Arial" panose="020B0604020202020204" pitchFamily="34" charset="0"/>
+              <a:buChar char="•"/>
+            </a:pPr>
+            <a:r>
+              <a:rPr lang="en-GB" dirty="0"/>
+              <a:t>Batch Size – 32</a:t>
+            </a:r>
+          </a:p>
+          <a:p>
+            <a:pPr marL="285750" indent="-285750">
+              <a:buFont typeface="Arial" panose="020B0604020202020204" pitchFamily="34" charset="0"/>
+              <a:buChar char="•"/>
+            </a:pPr>
+            <a:endParaRPr lang="en-GB" dirty="0"/>
+          </a:p>
+          <a:p>
+            <a:pPr marL="285750" indent="-285750">
+              <a:buFont typeface="Arial" panose="020B0604020202020204" pitchFamily="34" charset="0"/>
+              <a:buChar char="•"/>
+            </a:pPr>
+            <a:r>
+              <a:rPr lang="en-GB" dirty="0"/>
+              <a:t>Learning Rate – 0.001</a:t>
+            </a:r>
           </a:p>
         </p:txBody>
       </p:sp>

--- a/Presentations/EAGE_Hackathon_2022_Explainable_Christmas-Concise.pptx
+++ b/Presentations/EAGE_Hackathon_2022_Explainable_Christmas-Concise.pptx
@@ -8915,10 +8915,15 @@
             <p:ph type="body" idx="1"/>
           </p:nvPr>
         </p:nvSpPr>
-        <p:spPr/>
+        <p:spPr>
+          <a:xfrm>
+            <a:off x="311700" y="1010479"/>
+            <a:ext cx="8520600" cy="3354000"/>
+          </a:xfrm>
+        </p:spPr>
         <p:txBody>
           <a:bodyPr>
-            <a:normAutofit lnSpcReduction="10000"/>
+            <a:normAutofit fontScale="85000" lnSpcReduction="10000"/>
           </a:bodyPr>
           <a:lstStyle/>
           <a:p>
@@ -8957,7 +8962,7 @@
                 <a:latin typeface="Montserrat"/>
                 <a:sym typeface="Montserrat"/>
               </a:rPr>
-              <a:t>Data is open source and easy to load/process. </a:t>
+              <a:t>Data is open source and the code is easy to run/edit. </a:t>
             </a:r>
           </a:p>
           <a:p>
@@ -8974,6 +8979,32 @@
               </a:rPr>
               <a:t>Entire project is reproducible and although a little slow, doesn’t require specialised hardware. </a:t>
             </a:r>
+          </a:p>
+          <a:p>
+            <a:endParaRPr lang="en-GB" dirty="0">
+              <a:latin typeface="Montserrat"/>
+              <a:sym typeface="Montserrat"/>
+            </a:endParaRPr>
+          </a:p>
+          <a:p>
+            <a:r>
+              <a:rPr lang="en-GB" dirty="0">
+                <a:latin typeface="Montserrat"/>
+                <a:sym typeface="Montserrat"/>
+              </a:rPr>
+              <a:t>Repository provides experiment tracking via </a:t>
+            </a:r>
+            <a:r>
+              <a:rPr lang="en-GB" dirty="0" err="1">
+                <a:latin typeface="Montserrat"/>
+                <a:sym typeface="Montserrat"/>
+              </a:rPr>
+              <a:t>MLFlow</a:t>
+            </a:r>
+            <a:endParaRPr lang="en-GB" dirty="0">
+              <a:latin typeface="Montserrat"/>
+              <a:sym typeface="Montserrat"/>
+            </a:endParaRPr>
           </a:p>
           <a:p>
             <a:endParaRPr lang="en-GB" dirty="0">

--- a/Presentations/EAGE_Hackathon_2022_Explainable_Christmas-Concise.pptx
+++ b/Presentations/EAGE_Hackathon_2022_Explainable_Christmas-Concise.pptx
@@ -8148,7 +8148,7 @@
         <p:spPr>
           <a:xfrm>
             <a:off x="2067625" y="3962933"/>
-            <a:ext cx="4069305" cy="430887"/>
+            <a:ext cx="4069305" cy="369332"/>
           </a:xfrm>
           <a:prstGeom prst="rect">
             <a:avLst/>
@@ -8162,7 +8162,14 @@
           <a:lstStyle/>
           <a:p>
             <a:r>
-              <a:rPr lang="en-GB" sz="1100" dirty="0"/>
+              <a:rPr lang="en-GB" sz="900" dirty="0">
+                <a:solidFill>
+                  <a:schemeClr val="dk1"/>
+                </a:solidFill>
+                <a:latin typeface="Montserrat"/>
+                <a:ea typeface="Open Sans"/>
+                <a:cs typeface="Open Sans"/>
+              </a:rPr>
               <a:t>Very little change from Amplitude to Semblance suggests the semblance feature is having much impact on the prediction. </a:t>
             </a:r>
           </a:p>
@@ -8267,7 +8274,7 @@
         <p:spPr>
           <a:xfrm>
             <a:off x="2067624" y="1052228"/>
-            <a:ext cx="4069305" cy="430887"/>
+            <a:ext cx="4069305" cy="369332"/>
           </a:xfrm>
           <a:prstGeom prst="rect">
             <a:avLst/>
@@ -8281,7 +8288,14 @@
           <a:lstStyle/>
           <a:p>
             <a:r>
-              <a:rPr lang="en-GB" sz="1100" dirty="0"/>
+              <a:rPr lang="en-GB" sz="900" dirty="0">
+                <a:solidFill>
+                  <a:schemeClr val="dk1"/>
+                </a:solidFill>
+                <a:latin typeface="Montserrat"/>
+                <a:ea typeface="Open Sans"/>
+                <a:cs typeface="Open Sans"/>
+              </a:rPr>
               <a:t>Sobel feature clearly contributes the most to reduce the background to 0 and increase the salt probability to 1.  </a:t>
             </a:r>
           </a:p>
@@ -8304,8 +8318,8 @@
         </p:nvCxnSpPr>
         <p:spPr>
           <a:xfrm>
-            <a:off x="4102277" y="1483115"/>
-            <a:ext cx="1730487" cy="949390"/>
+            <a:off x="4102277" y="1421560"/>
+            <a:ext cx="1730487" cy="1010945"/>
           </a:xfrm>
           <a:prstGeom prst="straightConnector1">
             <a:avLst/>
@@ -8453,7 +8467,7 @@
         <p:spPr>
           <a:xfrm>
             <a:off x="402375" y="1881875"/>
-            <a:ext cx="1772789" cy="553998"/>
+            <a:ext cx="1772789" cy="507831"/>
           </a:xfrm>
           <a:prstGeom prst="rect">
             <a:avLst/>
@@ -8467,7 +8481,14 @@
           <a:lstStyle/>
           <a:p>
             <a:r>
-              <a:rPr lang="en-GB" sz="1000" dirty="0"/>
+              <a:rPr lang="en-GB" sz="900" dirty="0">
+                <a:solidFill>
+                  <a:schemeClr val="dk1"/>
+                </a:solidFill>
+                <a:latin typeface="Montserrat"/>
+                <a:ea typeface="Open Sans"/>
+                <a:cs typeface="Open Sans"/>
+              </a:rPr>
               <a:t>All features appear to have similar contributions in areas of no salt. </a:t>
             </a:r>
           </a:p>
@@ -8502,8 +8523,28 @@
           <a:lstStyle/>
           <a:p>
             <a:r>
-              <a:rPr lang="en-GB" sz="1200" dirty="0"/>
-              <a:t>Feature value vs Feature Contribution. Different features are coloured. Left Plot = No Salt, Right Plot = Salt </a:t>
+              <a:rPr lang="en-GB" sz="1200" dirty="0">
+                <a:solidFill>
+                  <a:schemeClr val="dk1"/>
+                </a:solidFill>
+                <a:latin typeface="Montserrat"/>
+                <a:ea typeface="Open Sans"/>
+                <a:cs typeface="Open Sans"/>
+              </a:rPr>
+              <a:t>Feature value vs Feature Contribution. Different features are coloured. </a:t>
+            </a:r>
+          </a:p>
+          <a:p>
+            <a:r>
+              <a:rPr lang="en-GB" sz="1200" dirty="0">
+                <a:solidFill>
+                  <a:schemeClr val="dk1"/>
+                </a:solidFill>
+                <a:latin typeface="Montserrat"/>
+                <a:ea typeface="Open Sans"/>
+                <a:cs typeface="Open Sans"/>
+              </a:rPr>
+              <a:t>Left Plot = No Salt, Right Plot = Salt </a:t>
             </a:r>
           </a:p>
         </p:txBody>
@@ -8525,8 +8566,8 @@
         </p:nvCxnSpPr>
         <p:spPr>
           <a:xfrm>
-            <a:off x="2175164" y="2158874"/>
-            <a:ext cx="1357745" cy="1180071"/>
+            <a:off x="2175164" y="2135791"/>
+            <a:ext cx="1357745" cy="1203154"/>
           </a:xfrm>
           <a:prstGeom prst="straightConnector1">
             <a:avLst/>
@@ -8565,7 +8606,7 @@
         <p:spPr>
           <a:xfrm>
             <a:off x="4655127" y="3717602"/>
-            <a:ext cx="2078182" cy="861774"/>
+            <a:ext cx="2078182" cy="784830"/>
           </a:xfrm>
           <a:prstGeom prst="rect">
             <a:avLst/>
@@ -8581,7 +8622,14 @@
           <a:lstStyle/>
           <a:p>
             <a:r>
-              <a:rPr lang="en-GB" sz="1000" dirty="0"/>
+              <a:rPr lang="en-GB" sz="900" dirty="0">
+                <a:solidFill>
+                  <a:schemeClr val="dk1"/>
+                </a:solidFill>
+                <a:latin typeface="Montserrat"/>
+                <a:ea typeface="Open Sans"/>
+                <a:cs typeface="Open Sans"/>
+              </a:rPr>
               <a:t>Sobel feature clearly contributes the most to a positive salt prediction. Whereas, semblance is consistently the least contributing feature. </a:t>
             </a:r>
           </a:p>
@@ -8685,7 +8733,7 @@
         <p:spPr>
           <a:xfrm>
             <a:off x="104502" y="3501474"/>
-            <a:ext cx="2008316" cy="1323439"/>
+            <a:ext cx="2008316" cy="1200329"/>
           </a:xfrm>
           <a:prstGeom prst="rect">
             <a:avLst/>
@@ -8699,11 +8747,27 @@
           <a:lstStyle/>
           <a:p>
             <a:r>
-              <a:rPr lang="en-GB" sz="1000" dirty="0"/>
+              <a:rPr lang="en-GB" sz="900" dirty="0">
+                <a:solidFill>
+                  <a:schemeClr val="dk1"/>
+                </a:solidFill>
+                <a:latin typeface="Montserrat"/>
+                <a:ea typeface="Open Sans"/>
+                <a:cs typeface="Open Sans"/>
+                <a:sym typeface="Open Sans"/>
+              </a:rPr>
               <a:t>Note there appears to be no correlation between feature value and contribution. </a:t>
             </a:r>
             <a:r>
-              <a:rPr lang="en-GB" sz="1000" b="1" dirty="0"/>
+              <a:rPr lang="en-GB" sz="900" b="1" dirty="0">
+                <a:solidFill>
+                  <a:schemeClr val="dk1"/>
+                </a:solidFill>
+                <a:latin typeface="Montserrat"/>
+                <a:ea typeface="Open Sans"/>
+                <a:cs typeface="Open Sans"/>
+                <a:sym typeface="Open Sans"/>
+              </a:rPr>
               <a:t>This is expected because spatial relationships are vital for image data. This is why CNNs are often superior to other  ML models with image data.</a:t>
             </a:r>
           </a:p>
@@ -9116,10 +9180,15 @@
             <p:ph type="body" idx="1"/>
           </p:nvPr>
         </p:nvSpPr>
-        <p:spPr/>
+        <p:spPr>
+          <a:xfrm>
+            <a:off x="311700" y="1045116"/>
+            <a:ext cx="8520600" cy="3354000"/>
+          </a:xfrm>
+        </p:spPr>
         <p:txBody>
           <a:bodyPr>
-            <a:normAutofit lnSpcReduction="10000"/>
+            <a:normAutofit fontScale="85000" lnSpcReduction="10000"/>
           </a:bodyPr>
           <a:lstStyle/>
           <a:p>
@@ -9190,6 +9259,19 @@
                 <a:latin typeface="Montserrat"/>
               </a:rPr>
               <a:t>No in-depth evaluation into segmentation performance. Where does our current model struggle the most? </a:t>
+            </a:r>
+          </a:p>
+          <a:p>
+            <a:endParaRPr lang="en-GB" dirty="0">
+              <a:latin typeface="Montserrat"/>
+            </a:endParaRPr>
+          </a:p>
+          <a:p>
+            <a:r>
+              <a:rPr lang="en-GB" dirty="0">
+                <a:latin typeface="Montserrat"/>
+              </a:rPr>
+              <a:t>A refactor is probably required. Module names like ‘process data.py’ are not very helpful. </a:t>
             </a:r>
           </a:p>
           <a:p>
@@ -9550,7 +9632,7 @@
         <p:spPr>
           <a:xfrm>
             <a:off x="5056912" y="4363327"/>
-            <a:ext cx="1704109" cy="307777"/>
+            <a:ext cx="1704109" cy="276999"/>
           </a:xfrm>
           <a:prstGeom prst="rect">
             <a:avLst/>
@@ -9564,7 +9646,14 @@
           <a:lstStyle/>
           <a:p>
             <a:r>
-              <a:rPr lang="en-GB" dirty="0"/>
+              <a:rPr lang="en-GB" sz="1200" b="1" dirty="0">
+                <a:solidFill>
+                  <a:schemeClr val="dk1"/>
+                </a:solidFill>
+                <a:latin typeface="Montserrat"/>
+                <a:ea typeface="Open Sans"/>
+                <a:cs typeface="Open Sans"/>
+              </a:rPr>
               <a:t>Seismic</a:t>
             </a:r>
           </a:p>
@@ -9585,7 +9674,7 @@
         <p:spPr>
           <a:xfrm>
             <a:off x="7202720" y="4363328"/>
-            <a:ext cx="1704109" cy="307777"/>
+            <a:ext cx="1704109" cy="276999"/>
           </a:xfrm>
           <a:prstGeom prst="rect">
             <a:avLst/>
@@ -9599,7 +9688,14 @@
           <a:lstStyle/>
           <a:p>
             <a:r>
-              <a:rPr lang="en-GB" dirty="0"/>
+              <a:rPr lang="en-GB" sz="1200" b="1" dirty="0">
+                <a:solidFill>
+                  <a:schemeClr val="dk1"/>
+                </a:solidFill>
+                <a:latin typeface="Montserrat"/>
+                <a:ea typeface="Open Sans"/>
+                <a:cs typeface="Open Sans"/>
+              </a:rPr>
               <a:t>Salt Mask</a:t>
             </a:r>
           </a:p>
@@ -9620,7 +9716,7 @@
         <p:spPr>
           <a:xfrm>
             <a:off x="61846" y="1253193"/>
-            <a:ext cx="8549251" cy="646331"/>
+            <a:ext cx="8549251" cy="584775"/>
           </a:xfrm>
           <a:prstGeom prst="rect">
             <a:avLst/>
@@ -9635,22 +9731,11 @@
           <a:p>
             <a:pPr algn="ctr"/>
             <a:r>
-              <a:rPr lang="en-GB" sz="1800" b="1" i="0" dirty="0">
-                <a:solidFill>
-                  <a:srgbClr val="24292F"/>
-                </a:solidFill>
-                <a:effectLst/>
-                <a:latin typeface="-apple-system"/>
+              <a:rPr lang="en-GB" sz="1600" b="1" dirty="0">
+                <a:latin typeface="Montserrat"/>
               </a:rPr>
               <a:t>Understand how each feature in a multi-input segmentation task contributes to the predicted mask.</a:t>
             </a:r>
-            <a:endParaRPr lang="en-GB" sz="1800" b="0" i="0" dirty="0">
-              <a:solidFill>
-                <a:srgbClr val="24292F"/>
-              </a:solidFill>
-              <a:effectLst/>
-              <a:latin typeface="-apple-system"/>
-            </a:endParaRPr>
           </a:p>
         </p:txBody>
       </p:sp>
@@ -9815,8 +9900,8 @@
         </p:nvSpPr>
         <p:spPr>
           <a:xfrm>
-            <a:off x="5394613" y="1027103"/>
-            <a:ext cx="1898076" cy="307777"/>
+            <a:off x="5466757" y="1136231"/>
+            <a:ext cx="1898076" cy="276999"/>
           </a:xfrm>
           <a:prstGeom prst="rect">
             <a:avLst/>
@@ -9830,7 +9915,14 @@
           <a:lstStyle/>
           <a:p>
             <a:r>
-              <a:rPr lang="en-GB" dirty="0"/>
+              <a:rPr lang="en-GB" sz="1200" dirty="0">
+                <a:solidFill>
+                  <a:schemeClr val="dk1"/>
+                </a:solidFill>
+                <a:latin typeface="Montserrat"/>
+                <a:ea typeface="Open Sans"/>
+                <a:cs typeface="Open Sans"/>
+              </a:rPr>
               <a:t>Generated Features</a:t>
             </a:r>
           </a:p>
@@ -9895,7 +9987,7 @@
         <p:spPr>
           <a:xfrm>
             <a:off x="858188" y="1127146"/>
-            <a:ext cx="1947360" cy="307777"/>
+            <a:ext cx="1947360" cy="276999"/>
           </a:xfrm>
           <a:prstGeom prst="rect">
             <a:avLst/>
@@ -9909,7 +10001,14 @@
           <a:lstStyle/>
           <a:p>
             <a:r>
-              <a:rPr lang="en-GB" dirty="0"/>
+              <a:rPr lang="en-GB" sz="1200" dirty="0">
+                <a:solidFill>
+                  <a:schemeClr val="dk1"/>
+                </a:solidFill>
+                <a:latin typeface="Montserrat"/>
+                <a:ea typeface="Open Sans"/>
+                <a:cs typeface="Open Sans"/>
+              </a:rPr>
               <a:t>Original X and Y Pair</a:t>
             </a:r>
           </a:p>
@@ -9929,8 +10028,8 @@
         </p:nvSpPr>
         <p:spPr>
           <a:xfrm>
-            <a:off x="3955473" y="3724403"/>
-            <a:ext cx="1233054" cy="415498"/>
+            <a:off x="3955472" y="3724403"/>
+            <a:ext cx="1343891" cy="400110"/>
           </a:xfrm>
           <a:prstGeom prst="rect">
             <a:avLst/>
@@ -9944,7 +10043,14 @@
           <a:lstStyle/>
           <a:p>
             <a:r>
-              <a:rPr lang="en-GB" sz="1050" dirty="0"/>
+              <a:rPr lang="en-GB" sz="1000" dirty="0">
+                <a:solidFill>
+                  <a:schemeClr val="dk1"/>
+                </a:solidFill>
+                <a:latin typeface="Montserrat"/>
+                <a:ea typeface="Open Sans"/>
+                <a:cs typeface="Open Sans"/>
+              </a:rPr>
               <a:t>Low Wavelength Amplitude. </a:t>
             </a:r>
           </a:p>
@@ -9965,7 +10071,7 @@
         <p:spPr>
           <a:xfrm>
             <a:off x="5495060" y="3674345"/>
-            <a:ext cx="1598467" cy="577081"/>
+            <a:ext cx="1598467" cy="507831"/>
           </a:xfrm>
           <a:prstGeom prst="rect">
             <a:avLst/>
@@ -9979,7 +10085,14 @@
           <a:lstStyle/>
           <a:p>
             <a:r>
-              <a:rPr lang="en-GB" sz="1050" dirty="0"/>
+              <a:rPr lang="en-GB" sz="900" dirty="0">
+                <a:solidFill>
+                  <a:schemeClr val="dk1"/>
+                </a:solidFill>
+                <a:latin typeface="Montserrat"/>
+                <a:ea typeface="Open Sans"/>
+                <a:cs typeface="Open Sans"/>
+              </a:rPr>
               <a:t>Red indicates areas of high spatial coherency within an image</a:t>
             </a:r>
           </a:p>
@@ -10000,7 +10113,7 @@
         <p:spPr>
           <a:xfrm>
             <a:off x="7364833" y="3654777"/>
-            <a:ext cx="1598467" cy="738664"/>
+            <a:ext cx="1598467" cy="646331"/>
           </a:xfrm>
           <a:prstGeom prst="rect">
             <a:avLst/>
@@ -10014,7 +10127,14 @@
           <a:lstStyle/>
           <a:p>
             <a:r>
-              <a:rPr lang="en-GB" sz="1050" dirty="0"/>
+              <a:rPr lang="en-GB" sz="900" dirty="0">
+                <a:solidFill>
+                  <a:schemeClr val="dk1"/>
+                </a:solidFill>
+                <a:latin typeface="Montserrat"/>
+                <a:ea typeface="Open Sans"/>
+                <a:cs typeface="Open Sans"/>
+              </a:rPr>
               <a:t>Edge Detection Filter. Extreme values indicate a rapid contrast in values</a:t>
             </a:r>
           </a:p>
@@ -10157,7 +10277,7 @@
         <p:spPr>
           <a:xfrm>
             <a:off x="1004455" y="4081991"/>
-            <a:ext cx="1704109" cy="307777"/>
+            <a:ext cx="1704109" cy="276999"/>
           </a:xfrm>
           <a:prstGeom prst="rect">
             <a:avLst/>
@@ -10171,7 +10291,14 @@
           <a:lstStyle/>
           <a:p>
             <a:r>
-              <a:rPr lang="en-GB" dirty="0"/>
+              <a:rPr lang="en-GB" sz="1200" dirty="0">
+                <a:solidFill>
+                  <a:schemeClr val="dk1"/>
+                </a:solidFill>
+                <a:latin typeface="Montserrat"/>
+                <a:ea typeface="Open Sans"/>
+                <a:cs typeface="Open Sans"/>
+              </a:rPr>
               <a:t>U-Net Architecture</a:t>
             </a:r>
           </a:p>
@@ -10313,8 +10440,8 @@
         </p:nvSpPr>
         <p:spPr>
           <a:xfrm>
-            <a:off x="5655480" y="4151369"/>
-            <a:ext cx="2193120" cy="307777"/>
+            <a:off x="5591084" y="4081991"/>
+            <a:ext cx="2193120" cy="276999"/>
           </a:xfrm>
           <a:prstGeom prst="rect">
             <a:avLst/>
@@ -10328,22 +10455,57 @@
           <a:lstStyle/>
           <a:p>
             <a:r>
-              <a:rPr lang="en-GB" dirty="0"/>
+              <a:rPr lang="en-GB" sz="1200" dirty="0">
+                <a:solidFill>
+                  <a:schemeClr val="dk1"/>
+                </a:solidFill>
+                <a:latin typeface="Montserrat"/>
+                <a:ea typeface="Open Sans"/>
+                <a:cs typeface="Open Sans"/>
+              </a:rPr>
               <a:t>Built in </a:t>
             </a:r>
             <a:r>
-              <a:rPr lang="en-GB" dirty="0" err="1"/>
+              <a:rPr lang="en-GB" sz="1200" dirty="0" err="1">
+                <a:solidFill>
+                  <a:schemeClr val="dk1"/>
+                </a:solidFill>
+                <a:latin typeface="Montserrat"/>
+                <a:ea typeface="Open Sans"/>
+                <a:cs typeface="Open Sans"/>
+              </a:rPr>
               <a:t>Tensorflow</a:t>
             </a:r>
             <a:r>
-              <a:rPr lang="en-GB" dirty="0"/>
+              <a:rPr lang="en-GB" sz="1200" dirty="0">
+                <a:solidFill>
+                  <a:schemeClr val="dk1"/>
+                </a:solidFill>
+                <a:latin typeface="Montserrat"/>
+                <a:ea typeface="Open Sans"/>
+                <a:cs typeface="Open Sans"/>
+              </a:rPr>
               <a:t>/</a:t>
             </a:r>
             <a:r>
-              <a:rPr lang="en-GB" dirty="0" err="1"/>
+              <a:rPr lang="en-GB" sz="1200" dirty="0" err="1">
+                <a:solidFill>
+                  <a:schemeClr val="dk1"/>
+                </a:solidFill>
+                <a:latin typeface="Montserrat"/>
+                <a:ea typeface="Open Sans"/>
+                <a:cs typeface="Open Sans"/>
+              </a:rPr>
               <a:t>Keras</a:t>
             </a:r>
-            <a:endParaRPr lang="en-GB" dirty="0"/>
+            <a:endParaRPr lang="en-GB" sz="1200" dirty="0">
+              <a:solidFill>
+                <a:schemeClr val="dk1"/>
+              </a:solidFill>
+              <a:latin typeface="Montserrat"/>
+              <a:ea typeface="Open Sans"/>
+              <a:cs typeface="Open Sans"/>
+            </a:endParaRPr>
           </a:p>
         </p:txBody>
       </p:sp>
@@ -10581,8 +10743,8 @@
         </p:nvSpPr>
         <p:spPr>
           <a:xfrm>
-            <a:off x="6414656" y="1101436"/>
-            <a:ext cx="2563090" cy="2893100"/>
+            <a:off x="6353546" y="1558784"/>
+            <a:ext cx="2563090" cy="2492990"/>
           </a:xfrm>
           <a:prstGeom prst="rect">
             <a:avLst/>
@@ -10600,7 +10762,14 @@
               <a:buChar char="•"/>
             </a:pPr>
             <a:r>
-              <a:rPr lang="en-GB" dirty="0"/>
+              <a:rPr lang="en-GB" sz="1200" dirty="0">
+                <a:solidFill>
+                  <a:schemeClr val="dk1"/>
+                </a:solidFill>
+                <a:latin typeface="Montserrat"/>
+                <a:ea typeface="Open Sans"/>
+                <a:cs typeface="Open Sans"/>
+              </a:rPr>
               <a:t>Data split into training, validation and test datasets. </a:t>
             </a:r>
           </a:p>
@@ -10609,7 +10778,14 @@
               <a:buFont typeface="Arial" panose="020B0604020202020204" pitchFamily="34" charset="0"/>
               <a:buChar char="•"/>
             </a:pPr>
-            <a:endParaRPr lang="en-GB" dirty="0"/>
+            <a:endParaRPr lang="en-GB" sz="1200" dirty="0">
+              <a:solidFill>
+                <a:schemeClr val="dk1"/>
+              </a:solidFill>
+              <a:latin typeface="Montserrat"/>
+              <a:ea typeface="Open Sans"/>
+              <a:cs typeface="Open Sans"/>
+            </a:endParaRPr>
           </a:p>
           <a:p>
             <a:pPr marL="285750" indent="-285750">
@@ -10617,7 +10793,14 @@
               <a:buChar char="•"/>
             </a:pPr>
             <a:r>
-              <a:rPr lang="en-GB" dirty="0"/>
+              <a:rPr lang="en-GB" sz="1200" dirty="0">
+                <a:solidFill>
+                  <a:schemeClr val="dk1"/>
+                </a:solidFill>
+                <a:latin typeface="Montserrat"/>
+                <a:ea typeface="Open Sans"/>
+                <a:cs typeface="Open Sans"/>
+              </a:rPr>
               <a:t>Standardize input data</a:t>
             </a:r>
           </a:p>
@@ -10626,7 +10809,14 @@
               <a:buFont typeface="Arial" panose="020B0604020202020204" pitchFamily="34" charset="0"/>
               <a:buChar char="•"/>
             </a:pPr>
-            <a:endParaRPr lang="en-GB" dirty="0"/>
+            <a:endParaRPr lang="en-GB" sz="1200" dirty="0">
+              <a:solidFill>
+                <a:schemeClr val="dk1"/>
+              </a:solidFill>
+              <a:latin typeface="Montserrat"/>
+              <a:ea typeface="Open Sans"/>
+              <a:cs typeface="Open Sans"/>
+            </a:endParaRPr>
           </a:p>
           <a:p>
             <a:pPr marL="285750" indent="-285750">
@@ -10634,7 +10824,14 @@
               <a:buChar char="•"/>
             </a:pPr>
             <a:r>
-              <a:rPr lang="en-GB" dirty="0"/>
+              <a:rPr lang="en-GB" sz="1200" dirty="0">
+                <a:solidFill>
+                  <a:schemeClr val="dk1"/>
+                </a:solidFill>
+                <a:latin typeface="Montserrat"/>
+                <a:ea typeface="Open Sans"/>
+                <a:cs typeface="Open Sans"/>
+              </a:rPr>
               <a:t>Scale masks to 0-1</a:t>
             </a:r>
           </a:p>
@@ -10643,7 +10840,14 @@
               <a:buFont typeface="Arial" panose="020B0604020202020204" pitchFamily="34" charset="0"/>
               <a:buChar char="•"/>
             </a:pPr>
-            <a:endParaRPr lang="en-GB" dirty="0"/>
+            <a:endParaRPr lang="en-GB" sz="1200" dirty="0">
+              <a:solidFill>
+                <a:schemeClr val="dk1"/>
+              </a:solidFill>
+              <a:latin typeface="Montserrat"/>
+              <a:ea typeface="Open Sans"/>
+              <a:cs typeface="Open Sans"/>
+            </a:endParaRPr>
           </a:p>
           <a:p>
             <a:pPr marL="285750" indent="-285750">
@@ -10651,7 +10855,14 @@
               <a:buChar char="•"/>
             </a:pPr>
             <a:r>
-              <a:rPr lang="en-GB" dirty="0"/>
+              <a:rPr lang="en-GB" sz="1200" dirty="0">
+                <a:solidFill>
+                  <a:schemeClr val="dk1"/>
+                </a:solidFill>
+                <a:latin typeface="Montserrat"/>
+                <a:ea typeface="Open Sans"/>
+                <a:cs typeface="Open Sans"/>
+              </a:rPr>
               <a:t>~2500 training pairs</a:t>
             </a:r>
           </a:p>
@@ -10660,7 +10871,14 @@
               <a:buFont typeface="Arial" panose="020B0604020202020204" pitchFamily="34" charset="0"/>
               <a:buChar char="•"/>
             </a:pPr>
-            <a:endParaRPr lang="en-GB" dirty="0"/>
+            <a:endParaRPr lang="en-GB" sz="1200" dirty="0">
+              <a:solidFill>
+                <a:schemeClr val="dk1"/>
+              </a:solidFill>
+              <a:latin typeface="Montserrat"/>
+              <a:ea typeface="Open Sans"/>
+              <a:cs typeface="Open Sans"/>
+            </a:endParaRPr>
           </a:p>
           <a:p>
             <a:pPr marL="285750" indent="-285750">
@@ -10668,7 +10886,14 @@
               <a:buChar char="•"/>
             </a:pPr>
             <a:r>
-              <a:rPr lang="en-GB" dirty="0"/>
+              <a:rPr lang="en-GB" sz="1200" dirty="0">
+                <a:solidFill>
+                  <a:schemeClr val="dk1"/>
+                </a:solidFill>
+                <a:latin typeface="Montserrat"/>
+                <a:ea typeface="Open Sans"/>
+                <a:cs typeface="Open Sans"/>
+              </a:rPr>
               <a:t>Batch Size – 32</a:t>
             </a:r>
           </a:p>
@@ -10677,7 +10902,14 @@
               <a:buFont typeface="Arial" panose="020B0604020202020204" pitchFamily="34" charset="0"/>
               <a:buChar char="•"/>
             </a:pPr>
-            <a:endParaRPr lang="en-GB" dirty="0"/>
+            <a:endParaRPr lang="en-GB" sz="1200" dirty="0">
+              <a:solidFill>
+                <a:schemeClr val="dk1"/>
+              </a:solidFill>
+              <a:latin typeface="Montserrat"/>
+              <a:ea typeface="Open Sans"/>
+              <a:cs typeface="Open Sans"/>
+            </a:endParaRPr>
           </a:p>
           <a:p>
             <a:pPr marL="285750" indent="-285750">
@@ -10685,7 +10917,14 @@
               <a:buChar char="•"/>
             </a:pPr>
             <a:r>
-              <a:rPr lang="en-GB" dirty="0"/>
+              <a:rPr lang="en-GB" sz="1200" dirty="0">
+                <a:solidFill>
+                  <a:schemeClr val="dk1"/>
+                </a:solidFill>
+                <a:latin typeface="Montserrat"/>
+                <a:ea typeface="Open Sans"/>
+                <a:cs typeface="Open Sans"/>
+              </a:rPr>
               <a:t>Learning Rate – 0.001</a:t>
             </a:r>
           </a:p>
@@ -11271,7 +11510,7 @@
         </p:nvSpPr>
         <p:spPr>
           <a:xfrm>
-            <a:off x="3206789" y="1056573"/>
+            <a:off x="2839643" y="1046247"/>
             <a:ext cx="2730422" cy="307777"/>
           </a:xfrm>
           <a:prstGeom prst="rect">
@@ -11286,7 +11525,14 @@
           <a:lstStyle/>
           <a:p>
             <a:r>
-              <a:rPr lang="en-GB" dirty="0"/>
+              <a:rPr lang="en-GB" b="1" dirty="0">
+                <a:solidFill>
+                  <a:schemeClr val="dk1"/>
+                </a:solidFill>
+                <a:latin typeface="Montserrat"/>
+                <a:ea typeface="Open Sans"/>
+                <a:cs typeface="Open Sans"/>
+              </a:rPr>
               <a:t>Feature Contributions</a:t>
             </a:r>
           </a:p>
@@ -11307,7 +11553,7 @@
         <p:spPr>
           <a:xfrm>
             <a:off x="2717397" y="4300266"/>
-            <a:ext cx="2424546" cy="646331"/>
+            <a:ext cx="2424546" cy="507831"/>
           </a:xfrm>
           <a:prstGeom prst="rect">
             <a:avLst/>
@@ -11321,7 +11567,14 @@
           <a:lstStyle/>
           <a:p>
             <a:r>
-              <a:rPr lang="en-GB" sz="1200" dirty="0"/>
+              <a:rPr lang="en-GB" sz="900" dirty="0">
+                <a:solidFill>
+                  <a:schemeClr val="dk1"/>
+                </a:solidFill>
+                <a:latin typeface="Montserrat"/>
+                <a:ea typeface="Open Sans"/>
+                <a:cs typeface="Open Sans"/>
+              </a:rPr>
               <a:t>Semblance contribution is reducing the probability of salt in the predicted mask! </a:t>
             </a:r>
           </a:p>
